--- a/iteration-3/dev1/Dev1.pptx
+++ b/iteration-3/dev1/Dev1.pptx
@@ -115,6 +115,11 @@
       </a:defRPr>
     </a:lvl9pPr>
   </p:defaultTextStyle>
+  <p:extLst>
+    <p:ext uri="{EFAFB233-063F-42B5-8137-9DF3F51BA10A}">
+      <p15:sldGuideLst xmlns:p15="http://schemas.microsoft.com/office/powerpoint/2012/main"/>
+    </p:ext>
+  </p:extLst>
 </p:presentation>
 </file>
 
@@ -3000,7 +3005,15 @@
             <a:pPr algn="l"/>
             <a:r>
               <a:rPr lang="bg-BG" sz="2800" dirty="0" smtClean="0"/>
-              <a:t>Новата функционалност включва следнтие дейности:</a:t>
+              <a:t>Новата функционалност включва </a:t>
+            </a:r>
+            <a:r>
+              <a:rPr lang="bg-BG" sz="2800" dirty="0" smtClean="0"/>
+              <a:t>следните </a:t>
+            </a:r>
+            <a:r>
+              <a:rPr lang="bg-BG" sz="2800" dirty="0" smtClean="0"/>
+              <a:t>дейности:</a:t>
             </a:r>
           </a:p>
           <a:p>
@@ -3308,7 +3321,7 @@
           <a:graphicData uri="http://schemas.openxmlformats.org/presentationml/2006/ole">
             <mc:AlternateContent xmlns:mc="http://schemas.openxmlformats.org/markup-compatibility/2006">
               <mc:Choice xmlns:v="urn:schemas-microsoft-com:vml" Requires="v">
-                <p:oleObj spid="_x0000_s1031" name="Visio" r:id="rId4" imgW="4362601" imgH="4952898" progId="Visio.Drawing.15">
+                <p:oleObj spid="_x0000_s1034" name="Visio" r:id="rId4" imgW="4362601" imgH="4952898" progId="Visio.Drawing.15">
                   <p:embed/>
                 </p:oleObj>
               </mc:Choice>
@@ -3679,7 +3692,11 @@
             </a:r>
             <a:r>
               <a:rPr lang="bg-BG" dirty="0" smtClean="0"/>
-              <a:t>диаграми за вход</a:t>
+              <a:t>диаграма </a:t>
+            </a:r>
+            <a:r>
+              <a:rPr lang="bg-BG" dirty="0" smtClean="0"/>
+              <a:t>за вход</a:t>
             </a:r>
             <a:endParaRPr lang="en-US" dirty="0"/>
           </a:p>
